--- a/Class-5/2601-L5-Lambdas.pptx
+++ b/Class-5/2601-L5-Lambdas.pptx
@@ -223,7 +223,7 @@
           <a:p>
             <a:fld id="{345DBE91-D3A8-4BB2-9FEE-0904C68AD1F8}" type="datetimeFigureOut">
               <a:rPr lang="en-CA" smtClean="0"/>
-              <a:t>2022-10-20</a:t>
+              <a:t>2022-10-22</a:t>
             </a:fld>
             <a:endParaRPr lang="en-CA"/>
           </a:p>
@@ -640,7 +640,7 @@
           <a:p>
             <a:fld id="{CB2AEC80-3946-406B-A1AD-69011C45E26A}" type="datetime1">
               <a:rPr lang="en-CA" smtClean="0"/>
-              <a:t>2022-10-20</a:t>
+              <a:t>2022-10-22</a:t>
             </a:fld>
             <a:endParaRPr lang="en-CA"/>
           </a:p>
@@ -844,7 +844,7 @@
           <a:p>
             <a:fld id="{6EA197AF-9859-4584-BAAD-1CC60DB5B92D}" type="datetime1">
               <a:rPr lang="en-CA" smtClean="0"/>
-              <a:t>2022-10-20</a:t>
+              <a:t>2022-10-22</a:t>
             </a:fld>
             <a:endParaRPr lang="en-CA"/>
           </a:p>
@@ -1058,7 +1058,7 @@
           <a:p>
             <a:fld id="{F5EB6BDD-A4FB-4344-8079-4DEE70CA7CDE}" type="datetime1">
               <a:rPr lang="en-CA" smtClean="0"/>
-              <a:t>2022-10-20</a:t>
+              <a:t>2022-10-22</a:t>
             </a:fld>
             <a:endParaRPr lang="en-CA"/>
           </a:p>
@@ -1262,7 +1262,7 @@
           <a:p>
             <a:fld id="{9A04FF57-9B4C-45CE-A626-C41C030972ED}" type="datetime1">
               <a:rPr lang="en-CA" smtClean="0"/>
-              <a:t>2022-10-20</a:t>
+              <a:t>2022-10-22</a:t>
             </a:fld>
             <a:endParaRPr lang="en-CA"/>
           </a:p>
@@ -1542,7 +1542,7 @@
           <a:p>
             <a:fld id="{356D768A-0335-4189-9FDF-1BEA19D7A1A1}" type="datetime1">
               <a:rPr lang="en-CA" smtClean="0"/>
-              <a:t>2022-10-20</a:t>
+              <a:t>2022-10-22</a:t>
             </a:fld>
             <a:endParaRPr lang="en-CA"/>
           </a:p>
@@ -1814,7 +1814,7 @@
           <a:p>
             <a:fld id="{F0551005-BE1D-4C63-AC82-03371E1D197D}" type="datetime1">
               <a:rPr lang="en-CA" smtClean="0"/>
-              <a:t>2022-10-20</a:t>
+              <a:t>2022-10-22</a:t>
             </a:fld>
             <a:endParaRPr lang="en-CA"/>
           </a:p>
@@ -2233,7 +2233,7 @@
           <a:p>
             <a:fld id="{F267C5C4-40C3-4234-B068-8E322324E17F}" type="datetime1">
               <a:rPr lang="en-CA" smtClean="0"/>
-              <a:t>2022-10-20</a:t>
+              <a:t>2022-10-22</a:t>
             </a:fld>
             <a:endParaRPr lang="en-CA"/>
           </a:p>
@@ -2379,7 +2379,7 @@
           <a:p>
             <a:fld id="{F86CFF9B-0CF3-451E-800C-F53C4FEDBCB0}" type="datetime1">
               <a:rPr lang="en-CA" smtClean="0"/>
-              <a:t>2022-10-20</a:t>
+              <a:t>2022-10-22</a:t>
             </a:fld>
             <a:endParaRPr lang="en-CA"/>
           </a:p>
@@ -2496,7 +2496,7 @@
           <a:p>
             <a:fld id="{4D14F8FB-4D62-4E37-93E4-DC57D406E61E}" type="datetime1">
               <a:rPr lang="en-CA" smtClean="0"/>
-              <a:t>2022-10-20</a:t>
+              <a:t>2022-10-22</a:t>
             </a:fld>
             <a:endParaRPr lang="en-CA"/>
           </a:p>
@@ -2813,7 +2813,7 @@
           <a:p>
             <a:fld id="{B676787F-5C3F-4401-A3A3-640C2EB9D4C5}" type="datetime1">
               <a:rPr lang="en-CA" smtClean="0"/>
-              <a:t>2022-10-20</a:t>
+              <a:t>2022-10-22</a:t>
             </a:fld>
             <a:endParaRPr lang="en-CA"/>
           </a:p>
@@ -3106,7 +3106,7 @@
           <a:p>
             <a:fld id="{4F83C6A6-8B25-479F-992A-15CFCC9655CA}" type="datetime1">
               <a:rPr lang="en-CA" smtClean="0"/>
-              <a:t>2022-10-20</a:t>
+              <a:t>2022-10-22</a:t>
             </a:fld>
             <a:endParaRPr lang="en-CA"/>
           </a:p>
@@ -3353,7 +3353,7 @@
           <a:p>
             <a:fld id="{29F9F0F2-89F5-4E28-88DB-BA50EB4D386D}" type="datetime1">
               <a:rPr lang="en-CA" smtClean="0"/>
-              <a:t>2022-10-20</a:t>
+              <a:t>2022-10-22</a:t>
             </a:fld>
             <a:endParaRPr lang="en-CA"/>
           </a:p>
@@ -9062,79 +9062,126 @@
               <a:buNone/>
             </a:pPr>
             <a:r>
-              <a:rPr lang="en-US" sz="1100"/>
-              <a:t>import java.util.concurrent.Callable;</a:t>
-            </a:r>
-          </a:p>
-          <a:p>
-            <a:pPr marL="0" indent="0">
-              <a:lnSpc>
-                <a:spcPct val="120000"/>
-              </a:lnSpc>
-              <a:spcBef>
-                <a:spcPts val="0"/>
-              </a:spcBef>
-              <a:buNone/>
-            </a:pPr>
-            <a:r>
-              <a:rPr lang="en-US" sz="1100"/>
-              <a:t>import java.util.function.Consumer; class Notebook{</a:t>
-            </a:r>
-          </a:p>
-          <a:p>
-            <a:pPr marL="0" indent="0">
-              <a:lnSpc>
-                <a:spcPct val="120000"/>
-              </a:lnSpc>
-              <a:spcBef>
-                <a:spcPts val="0"/>
-              </a:spcBef>
-              <a:buNone/>
-            </a:pPr>
-            <a:r>
-              <a:rPr lang="en-US" sz="1100"/>
-              <a:t>    public static void main(String[] args)    {</a:t>
-            </a:r>
-          </a:p>
-          <a:p>
-            <a:pPr marL="0" indent="0">
-              <a:lnSpc>
-                <a:spcPct val="120000"/>
-              </a:lnSpc>
-              <a:spcBef>
-                <a:spcPts val="0"/>
-              </a:spcBef>
-              <a:buNone/>
-            </a:pPr>
-            <a:r>
-              <a:rPr lang="en-US" sz="1100"/>
-              <a:t>        sayHello();</a:t>
-            </a:r>
-          </a:p>
-          <a:p>
-            <a:pPr marL="0" indent="0">
-              <a:lnSpc>
-                <a:spcPct val="120000"/>
-              </a:lnSpc>
-              <a:spcBef>
-                <a:spcPts val="0"/>
-              </a:spcBef>
-              <a:buNone/>
-            </a:pPr>
-            <a:endParaRPr lang="en-US" sz="1100"/>
-          </a:p>
-          <a:p>
-            <a:pPr marL="0" indent="0">
-              <a:lnSpc>
-                <a:spcPct val="120000"/>
-              </a:lnSpc>
-              <a:spcBef>
-                <a:spcPts val="0"/>
-              </a:spcBef>
-              <a:buNone/>
-            </a:pPr>
-            <a:r>
-              <a:rPr lang="en-US" sz="1100"/>
+              <a:rPr lang="en-US" sz="1100" dirty="0"/>
+              <a:t>import </a:t>
+            </a:r>
+            <a:r>
+              <a:rPr lang="en-US" sz="1100" dirty="0" err="1"/>
+              <a:t>java.util.concurrent.Callable</a:t>
+            </a:r>
+            <a:r>
+              <a:rPr lang="en-US" sz="1100" dirty="0"/>
+              <a:t>;</a:t>
+            </a:r>
+          </a:p>
+          <a:p>
+            <a:pPr marL="0" indent="0">
+              <a:lnSpc>
+                <a:spcPct val="120000"/>
+              </a:lnSpc>
+              <a:spcBef>
+                <a:spcPts val="0"/>
+              </a:spcBef>
+              <a:buNone/>
+            </a:pPr>
+            <a:r>
+              <a:rPr lang="en-US" sz="1100" dirty="0"/>
+              <a:t>import </a:t>
+            </a:r>
+            <a:r>
+              <a:rPr lang="en-US" sz="1100" dirty="0" err="1"/>
+              <a:t>java.util.function.Consumer</a:t>
+            </a:r>
+            <a:r>
+              <a:rPr lang="en-US" sz="1100" dirty="0"/>
+              <a:t>; </a:t>
+            </a:r>
+          </a:p>
+          <a:p>
+            <a:pPr marL="0" indent="0">
+              <a:lnSpc>
+                <a:spcPct val="120000"/>
+              </a:lnSpc>
+              <a:spcBef>
+                <a:spcPts val="0"/>
+              </a:spcBef>
+              <a:buNone/>
+            </a:pPr>
+            <a:r>
+              <a:rPr lang="en-US" sz="1100" dirty="0"/>
+              <a:t>class Notebook{</a:t>
+            </a:r>
+          </a:p>
+          <a:p>
+            <a:pPr marL="0" indent="0">
+              <a:lnSpc>
+                <a:spcPct val="120000"/>
+              </a:lnSpc>
+              <a:spcBef>
+                <a:spcPts val="0"/>
+              </a:spcBef>
+              <a:buNone/>
+            </a:pPr>
+            <a:r>
+              <a:rPr lang="en-US" sz="1100" dirty="0"/>
+              <a:t>    public static void main(String[] </a:t>
+            </a:r>
+            <a:r>
+              <a:rPr lang="en-US" sz="1100" dirty="0" err="1"/>
+              <a:t>args</a:t>
+            </a:r>
+            <a:r>
+              <a:rPr lang="en-US" sz="1100" dirty="0"/>
+              <a:t>)    {</a:t>
+            </a:r>
+          </a:p>
+          <a:p>
+            <a:pPr marL="0" indent="0">
+              <a:lnSpc>
+                <a:spcPct val="120000"/>
+              </a:lnSpc>
+              <a:spcBef>
+                <a:spcPts val="0"/>
+              </a:spcBef>
+              <a:buNone/>
+            </a:pPr>
+            <a:r>
+              <a:rPr lang="en-US" sz="1100" dirty="0"/>
+              <a:t>        </a:t>
+            </a:r>
+            <a:r>
+              <a:rPr lang="en-US" sz="1100" dirty="0" err="1"/>
+              <a:t>sayHello</a:t>
+            </a:r>
+            <a:r>
+              <a:rPr lang="en-US" sz="1100" dirty="0"/>
+              <a:t>();</a:t>
+            </a:r>
+          </a:p>
+          <a:p>
+            <a:pPr marL="0" indent="0">
+              <a:lnSpc>
+                <a:spcPct val="120000"/>
+              </a:lnSpc>
+              <a:spcBef>
+                <a:spcPts val="0"/>
+              </a:spcBef>
+              <a:buNone/>
+            </a:pPr>
+            <a:endParaRPr lang="en-US" sz="1100" dirty="0"/>
+          </a:p>
+          <a:p>
+            <a:pPr marL="0" indent="0">
+              <a:lnSpc>
+                <a:spcPct val="120000"/>
+              </a:lnSpc>
+              <a:spcBef>
+                <a:spcPts val="0"/>
+              </a:spcBef>
+              <a:buNone/>
+            </a:pPr>
+            <a:r>
+              <a:rPr lang="en-US" sz="1100" dirty="0"/>
               <a:t>        // lambda expression with zero input arguments</a:t>
             </a:r>
           </a:p>
@@ -9149,22 +9196,30 @@
               <a:buNone/>
             </a:pPr>
             <a:r>
-              <a:rPr lang="en-US" sz="1100" b="1"/>
-              <a:t>        final Runnable stringConsumer3 = () -&gt; sayHello();  // Runnable: // zero arguments; no return</a:t>
-            </a:r>
-          </a:p>
-          <a:p>
-            <a:pPr marL="0" indent="0">
-              <a:lnSpc>
-                <a:spcPct val="120000"/>
-              </a:lnSpc>
-              <a:spcBef>
-                <a:spcPts val="0"/>
-              </a:spcBef>
-              <a:buNone/>
-            </a:pPr>
-            <a:r>
-              <a:rPr lang="en-US" sz="1100"/>
+              <a:rPr lang="en-US" sz="1100" b="1" dirty="0"/>
+              <a:t>        final Runnable stringConsumer3 = () -&gt; </a:t>
+            </a:r>
+            <a:r>
+              <a:rPr lang="en-US" sz="1100" b="1" dirty="0" err="1"/>
+              <a:t>sayHello</a:t>
+            </a:r>
+            <a:r>
+              <a:rPr lang="en-US" sz="1100" b="1" dirty="0"/>
+              <a:t>();  // Runnable: // zero arguments; no return</a:t>
+            </a:r>
+          </a:p>
+          <a:p>
+            <a:pPr marL="0" indent="0">
+              <a:lnSpc>
+                <a:spcPct val="120000"/>
+              </a:lnSpc>
+              <a:spcBef>
+                <a:spcPts val="0"/>
+              </a:spcBef>
+              <a:buNone/>
+            </a:pPr>
+            <a:r>
+              <a:rPr lang="en-US" sz="1100" dirty="0"/>
               <a:t>        stringConsumer3.run();</a:t>
             </a:r>
           </a:p>
@@ -9178,20 +9233,20 @@
               </a:spcBef>
               <a:buNone/>
             </a:pPr>
-            <a:endParaRPr lang="en-US" sz="1100"/>
-          </a:p>
-          <a:p>
-            <a:pPr marL="0" indent="0">
-              <a:lnSpc>
-                <a:spcPct val="120000"/>
-              </a:lnSpc>
-              <a:spcBef>
-                <a:spcPts val="0"/>
-              </a:spcBef>
-              <a:buNone/>
-            </a:pPr>
-            <a:r>
-              <a:rPr lang="en-US" sz="1100"/>
+            <a:endParaRPr lang="en-US" sz="1100" dirty="0"/>
+          </a:p>
+          <a:p>
+            <a:pPr marL="0" indent="0">
+              <a:lnSpc>
+                <a:spcPct val="120000"/>
+              </a:lnSpc>
+              <a:spcBef>
+                <a:spcPts val="0"/>
+              </a:spcBef>
+              <a:buNone/>
+            </a:pPr>
+            <a:r>
+              <a:rPr lang="en-US" sz="1100" dirty="0"/>
               <a:t>        // method reference</a:t>
             </a:r>
           </a:p>
@@ -9206,22 +9261,30 @@
               <a:buNone/>
             </a:pPr>
             <a:r>
-              <a:rPr lang="en-US" sz="1100" b="1"/>
-              <a:t>        final Runnable stringConsumer4 = Notebook::sayHello;</a:t>
-            </a:r>
-          </a:p>
-          <a:p>
-            <a:pPr marL="0" indent="0">
-              <a:lnSpc>
-                <a:spcPct val="120000"/>
-              </a:lnSpc>
-              <a:spcBef>
-                <a:spcPts val="0"/>
-              </a:spcBef>
-              <a:buNone/>
-            </a:pPr>
-            <a:r>
-              <a:rPr lang="en-US" sz="1100"/>
+              <a:rPr lang="en-US" sz="1100" b="1" dirty="0"/>
+              <a:t>        final Runnable stringConsumer4 = Notebook::</a:t>
+            </a:r>
+            <a:r>
+              <a:rPr lang="en-US" sz="1100" b="1" dirty="0" err="1"/>
+              <a:t>sayHello</a:t>
+            </a:r>
+            <a:r>
+              <a:rPr lang="en-US" sz="1100" b="1" dirty="0"/>
+              <a:t>;</a:t>
+            </a:r>
+          </a:p>
+          <a:p>
+            <a:pPr marL="0" indent="0">
+              <a:lnSpc>
+                <a:spcPct val="120000"/>
+              </a:lnSpc>
+              <a:spcBef>
+                <a:spcPts val="0"/>
+              </a:spcBef>
+              <a:buNone/>
+            </a:pPr>
+            <a:r>
+              <a:rPr lang="en-US" sz="1100" dirty="0"/>
               <a:t>        stringConsumer4.run();</a:t>
             </a:r>
           </a:p>
@@ -9236,7 +9299,7 @@
               <a:buNone/>
             </a:pPr>
             <a:r>
-              <a:rPr lang="en-US" sz="1100"/>
+              <a:rPr lang="en-US" sz="1100" dirty="0"/>
               <a:t>    }</a:t>
             </a:r>
           </a:p>
@@ -9250,50 +9313,66 @@
               </a:spcBef>
               <a:buNone/>
             </a:pPr>
-            <a:endParaRPr lang="en-US" sz="1100"/>
-          </a:p>
-          <a:p>
-            <a:pPr marL="0" indent="0">
-              <a:lnSpc>
-                <a:spcPct val="120000"/>
-              </a:lnSpc>
-              <a:spcBef>
-                <a:spcPts val="0"/>
-              </a:spcBef>
-              <a:buNone/>
-            </a:pPr>
-            <a:r>
-              <a:rPr lang="en-US" sz="1100"/>
-              <a:t>    public static void printNote(final String note)    {</a:t>
-            </a:r>
-          </a:p>
-          <a:p>
-            <a:pPr marL="0" indent="0">
-              <a:lnSpc>
-                <a:spcPct val="120000"/>
-              </a:lnSpc>
-              <a:spcBef>
-                <a:spcPts val="0"/>
-              </a:spcBef>
-              <a:buNone/>
-            </a:pPr>
-            <a:r>
-              <a:rPr lang="en-US" sz="1100"/>
-              <a:t>        System.out.println(note);</a:t>
-            </a:r>
-          </a:p>
-          <a:p>
-            <a:pPr marL="0" indent="0">
-              <a:lnSpc>
-                <a:spcPct val="120000"/>
-              </a:lnSpc>
-              <a:spcBef>
-                <a:spcPts val="0"/>
-              </a:spcBef>
-              <a:buNone/>
-            </a:pPr>
-            <a:r>
-              <a:rPr lang="en-US" sz="1100"/>
+            <a:endParaRPr lang="en-US" sz="1100" dirty="0"/>
+          </a:p>
+          <a:p>
+            <a:pPr marL="0" indent="0">
+              <a:lnSpc>
+                <a:spcPct val="120000"/>
+              </a:lnSpc>
+              <a:spcBef>
+                <a:spcPts val="0"/>
+              </a:spcBef>
+              <a:buNone/>
+            </a:pPr>
+            <a:r>
+              <a:rPr lang="en-US" sz="1100" dirty="0"/>
+              <a:t>    public static void </a:t>
+            </a:r>
+            <a:r>
+              <a:rPr lang="en-US" sz="1100" dirty="0" err="1"/>
+              <a:t>printNote</a:t>
+            </a:r>
+            <a:r>
+              <a:rPr lang="en-US" sz="1100" dirty="0"/>
+              <a:t>(final String note)    {</a:t>
+            </a:r>
+          </a:p>
+          <a:p>
+            <a:pPr marL="0" indent="0">
+              <a:lnSpc>
+                <a:spcPct val="120000"/>
+              </a:lnSpc>
+              <a:spcBef>
+                <a:spcPts val="0"/>
+              </a:spcBef>
+              <a:buNone/>
+            </a:pPr>
+            <a:r>
+              <a:rPr lang="en-US" sz="1100" dirty="0"/>
+              <a:t>        </a:t>
+            </a:r>
+            <a:r>
+              <a:rPr lang="en-US" sz="1100" dirty="0" err="1"/>
+              <a:t>System.out.println</a:t>
+            </a:r>
+            <a:r>
+              <a:rPr lang="en-US" sz="1100" dirty="0"/>
+              <a:t>(note);</a:t>
+            </a:r>
+          </a:p>
+          <a:p>
+            <a:pPr marL="0" indent="0">
+              <a:lnSpc>
+                <a:spcPct val="120000"/>
+              </a:lnSpc>
+              <a:spcBef>
+                <a:spcPts val="0"/>
+              </a:spcBef>
+              <a:buNone/>
+            </a:pPr>
+            <a:r>
+              <a:rPr lang="en-US" sz="1100" dirty="0"/>
               <a:t>    }</a:t>
             </a:r>
           </a:p>
@@ -9307,50 +9386,66 @@
               </a:spcBef>
               <a:buNone/>
             </a:pPr>
-            <a:endParaRPr lang="en-US" sz="1100"/>
-          </a:p>
-          <a:p>
-            <a:pPr marL="0" indent="0">
-              <a:lnSpc>
-                <a:spcPct val="120000"/>
-              </a:lnSpc>
-              <a:spcBef>
-                <a:spcPts val="0"/>
-              </a:spcBef>
-              <a:buNone/>
-            </a:pPr>
-            <a:r>
-              <a:rPr lang="en-US" sz="1100"/>
-              <a:t>    public static void sayHello()    {</a:t>
-            </a:r>
-          </a:p>
-          <a:p>
-            <a:pPr marL="0" indent="0">
-              <a:lnSpc>
-                <a:spcPct val="120000"/>
-              </a:lnSpc>
-              <a:spcBef>
-                <a:spcPts val="0"/>
-              </a:spcBef>
-              <a:buNone/>
-            </a:pPr>
-            <a:r>
-              <a:rPr lang="en-US" sz="1100"/>
-              <a:t>        System.out.println("hello");</a:t>
-            </a:r>
-          </a:p>
-          <a:p>
-            <a:pPr marL="0" indent="0">
-              <a:lnSpc>
-                <a:spcPct val="120000"/>
-              </a:lnSpc>
-              <a:spcBef>
-                <a:spcPts val="0"/>
-              </a:spcBef>
-              <a:buNone/>
-            </a:pPr>
-            <a:r>
-              <a:rPr lang="en-US" sz="1100"/>
+            <a:endParaRPr lang="en-US" sz="1100" dirty="0"/>
+          </a:p>
+          <a:p>
+            <a:pPr marL="0" indent="0">
+              <a:lnSpc>
+                <a:spcPct val="120000"/>
+              </a:lnSpc>
+              <a:spcBef>
+                <a:spcPts val="0"/>
+              </a:spcBef>
+              <a:buNone/>
+            </a:pPr>
+            <a:r>
+              <a:rPr lang="en-US" sz="1100" dirty="0"/>
+              <a:t>    public static void </a:t>
+            </a:r>
+            <a:r>
+              <a:rPr lang="en-US" sz="1100" dirty="0" err="1"/>
+              <a:t>sayHello</a:t>
+            </a:r>
+            <a:r>
+              <a:rPr lang="en-US" sz="1100" dirty="0"/>
+              <a:t>()    {</a:t>
+            </a:r>
+          </a:p>
+          <a:p>
+            <a:pPr marL="0" indent="0">
+              <a:lnSpc>
+                <a:spcPct val="120000"/>
+              </a:lnSpc>
+              <a:spcBef>
+                <a:spcPts val="0"/>
+              </a:spcBef>
+              <a:buNone/>
+            </a:pPr>
+            <a:r>
+              <a:rPr lang="en-US" sz="1100" dirty="0"/>
+              <a:t>        </a:t>
+            </a:r>
+            <a:r>
+              <a:rPr lang="en-US" sz="1100" dirty="0" err="1"/>
+              <a:t>System.out.println</a:t>
+            </a:r>
+            <a:r>
+              <a:rPr lang="en-US" sz="1100" dirty="0"/>
+              <a:t>("hello");</a:t>
+            </a:r>
+          </a:p>
+          <a:p>
+            <a:pPr marL="0" indent="0">
+              <a:lnSpc>
+                <a:spcPct val="120000"/>
+              </a:lnSpc>
+              <a:spcBef>
+                <a:spcPts val="0"/>
+              </a:spcBef>
+              <a:buNone/>
+            </a:pPr>
+            <a:r>
+              <a:rPr lang="en-US" sz="1100" dirty="0"/>
               <a:t>    }</a:t>
             </a:r>
           </a:p>
@@ -9365,7 +9460,7 @@
               <a:buNone/>
             </a:pPr>
             <a:r>
-              <a:rPr lang="en-US" sz="1100"/>
+              <a:rPr lang="en-US" sz="1100" dirty="0"/>
               <a:t>}</a:t>
             </a:r>
           </a:p>
@@ -11636,6 +11731,10 @@
           </p:nvPr>
         </p:nvSpPr>
         <p:spPr bwMode="auto">
+          <a:xfrm>
+            <a:off x="838200" y="1600637"/>
+            <a:ext cx="6852197" cy="4801314"/>
+          </a:xfrm>
           <a:prstGeom prst="rect">
             <a:avLst/>
           </a:prstGeom>
@@ -11694,7 +11793,7 @@
               <a:tabLst/>
             </a:pPr>
             <a:r>
-              <a:rPr kumimoji="0" lang="en-US" altLang="en-US" sz="1800" b="0" i="0" u="none" strike="noStrike" cap="none" normalizeH="0" baseline="0">
+              <a:rPr kumimoji="0" lang="en-US" altLang="en-US" sz="1800" b="0" i="0" u="none" strike="noStrike" cap="none" normalizeH="0" baseline="0" dirty="0">
                 <a:ln>
                   <a:noFill/>
                 </a:ln>
@@ -11707,7 +11806,7 @@
               <a:t>import </a:t>
             </a:r>
             <a:r>
-              <a:rPr kumimoji="0" lang="en-US" altLang="en-US" sz="1800" b="0" i="0" u="none" strike="noStrike" cap="none" normalizeH="0" baseline="0">
+              <a:rPr kumimoji="0" lang="en-US" altLang="en-US" sz="1800" b="0" i="0" u="none" strike="noStrike" cap="none" normalizeH="0" baseline="0" dirty="0" err="1">
                 <a:ln>
                   <a:noFill/>
                 </a:ln>
@@ -11720,7 +11819,7 @@
               <a:t>java.util.ArrayList</a:t>
             </a:r>
             <a:r>
-              <a:rPr kumimoji="0" lang="en-US" altLang="en-US" sz="1800" b="0" i="0" u="none" strike="noStrike" cap="none" normalizeH="0" baseline="0">
+              <a:rPr kumimoji="0" lang="en-US" altLang="en-US" sz="1800" b="0" i="0" u="none" strike="noStrike" cap="none" normalizeH="0" baseline="0" dirty="0">
                 <a:ln>
                   <a:noFill/>
                 </a:ln>
@@ -11733,7 +11832,7 @@
               <a:t>;</a:t>
             </a:r>
             <a:br>
-              <a:rPr kumimoji="0" lang="en-US" altLang="en-US" sz="1800" b="0" i="0" u="none" strike="noStrike" cap="none" normalizeH="0" baseline="0">
+              <a:rPr kumimoji="0" lang="en-US" altLang="en-US" sz="1800" b="0" i="0" u="none" strike="noStrike" cap="none" normalizeH="0" baseline="0" dirty="0">
                 <a:ln>
                   <a:noFill/>
                 </a:ln>
@@ -11745,7 +11844,7 @@
               </a:rPr>
             </a:br>
             <a:r>
-              <a:rPr kumimoji="0" lang="en-US" altLang="en-US" sz="1800" b="0" i="0" u="none" strike="noStrike" cap="none" normalizeH="0" baseline="0">
+              <a:rPr kumimoji="0" lang="en-US" altLang="en-US" sz="1800" b="0" i="0" u="none" strike="noStrike" cap="none" normalizeH="0" baseline="0" dirty="0">
                 <a:ln>
                   <a:noFill/>
                 </a:ln>
@@ -11758,7 +11857,7 @@
               <a:t>import </a:t>
             </a:r>
             <a:r>
-              <a:rPr kumimoji="0" lang="en-US" altLang="en-US" sz="1800" b="0" i="0" u="none" strike="noStrike" cap="none" normalizeH="0" baseline="0">
+              <a:rPr kumimoji="0" lang="en-US" altLang="en-US" sz="1800" b="0" i="0" u="none" strike="noStrike" cap="none" normalizeH="0" baseline="0" dirty="0" err="1">
                 <a:ln>
                   <a:noFill/>
                 </a:ln>
@@ -11771,7 +11870,7 @@
               <a:t>java.util.List</a:t>
             </a:r>
             <a:r>
-              <a:rPr kumimoji="0" lang="en-US" altLang="en-US" sz="1800" b="0" i="0" u="none" strike="noStrike" cap="none" normalizeH="0" baseline="0">
+              <a:rPr kumimoji="0" lang="en-US" altLang="en-US" sz="1800" b="0" i="0" u="none" strike="noStrike" cap="none" normalizeH="0" baseline="0" dirty="0">
                 <a:ln>
                   <a:noFill/>
                 </a:ln>
@@ -11784,7 +11883,7 @@
               <a:t>;</a:t>
             </a:r>
             <a:br>
-              <a:rPr kumimoji="0" lang="en-US" altLang="en-US" sz="1800" b="0" i="0" u="none" strike="noStrike" cap="none" normalizeH="0" baseline="0">
+              <a:rPr kumimoji="0" lang="en-US" altLang="en-US" sz="1800" b="0" i="0" u="none" strike="noStrike" cap="none" normalizeH="0" baseline="0" dirty="0">
                 <a:ln>
                   <a:noFill/>
                 </a:ln>
@@ -11796,7 +11895,7 @@
               </a:rPr>
             </a:br>
             <a:r>
-              <a:rPr kumimoji="0" lang="en-US" altLang="en-US" sz="1800" b="0" i="0" u="none" strike="noStrike" cap="none" normalizeH="0" baseline="0">
+              <a:rPr kumimoji="0" lang="en-US" altLang="en-US" sz="1800" b="0" i="0" u="none" strike="noStrike" cap="none" normalizeH="0" baseline="0" dirty="0">
                 <a:ln>
                   <a:noFill/>
                 </a:ln>
@@ -11809,7 +11908,7 @@
               <a:t>class </a:t>
             </a:r>
             <a:r>
-              <a:rPr kumimoji="0" lang="en-US" altLang="en-US" sz="1800" b="0" i="0" u="none" strike="noStrike" cap="none" normalizeH="0" baseline="0">
+              <a:rPr kumimoji="0" lang="en-US" altLang="en-US" sz="1800" b="0" i="0" u="none" strike="noStrike" cap="none" normalizeH="0" baseline="0" dirty="0">
                 <a:ln>
                   <a:noFill/>
                 </a:ln>
@@ -11822,7 +11921,7 @@
               <a:t>More{</a:t>
             </a:r>
             <a:br>
-              <a:rPr kumimoji="0" lang="en-US" altLang="en-US" sz="1800" b="0" i="0" u="none" strike="noStrike" cap="none" normalizeH="0" baseline="0">
+              <a:rPr kumimoji="0" lang="en-US" altLang="en-US" sz="1800" b="0" i="0" u="none" strike="noStrike" cap="none" normalizeH="0" baseline="0" dirty="0">
                 <a:ln>
                   <a:noFill/>
                 </a:ln>
@@ -11834,7 +11933,7 @@
               </a:rPr>
             </a:br>
             <a:r>
-              <a:rPr kumimoji="0" lang="en-US" altLang="en-US" sz="1800" b="0" i="0" u="none" strike="noStrike" cap="none" normalizeH="0" baseline="0">
+              <a:rPr kumimoji="0" lang="en-US" altLang="en-US" sz="1800" b="0" i="0" u="none" strike="noStrike" cap="none" normalizeH="0" baseline="0" dirty="0">
                 <a:ln>
                   <a:noFill/>
                 </a:ln>
@@ -11847,7 +11946,7 @@
               <a:t>    </a:t>
             </a:r>
             <a:r>
-              <a:rPr kumimoji="0" lang="en-US" altLang="en-US" sz="1800" b="0" i="0" u="none" strike="noStrike" cap="none" normalizeH="0" baseline="0">
+              <a:rPr kumimoji="0" lang="en-US" altLang="en-US" sz="1800" b="0" i="0" u="none" strike="noStrike" cap="none" normalizeH="0" baseline="0" dirty="0">
                 <a:ln>
                   <a:noFill/>
                 </a:ln>
@@ -11860,7 +11959,7 @@
               <a:t>public static void </a:t>
             </a:r>
             <a:r>
-              <a:rPr kumimoji="0" lang="en-US" altLang="en-US" sz="1800" b="0" i="0" u="none" strike="noStrike" cap="none" normalizeH="0" baseline="0">
+              <a:rPr kumimoji="0" lang="en-US" altLang="en-US" sz="1800" b="0" i="0" u="none" strike="noStrike" cap="none" normalizeH="0" baseline="0" dirty="0">
                 <a:ln>
                   <a:noFill/>
                 </a:ln>
@@ -11873,7 +11972,7 @@
               <a:t>main</a:t>
             </a:r>
             <a:r>
-              <a:rPr kumimoji="0" lang="en-US" altLang="en-US" sz="1800" b="0" i="0" u="none" strike="noStrike" cap="none" normalizeH="0" baseline="0">
+              <a:rPr kumimoji="0" lang="en-US" altLang="en-US" sz="1800" b="0" i="0" u="none" strike="noStrike" cap="none" normalizeH="0" baseline="0" dirty="0">
                 <a:ln>
                   <a:noFill/>
                 </a:ln>
@@ -11886,7 +11985,7 @@
               <a:t>(</a:t>
             </a:r>
             <a:r>
-              <a:rPr kumimoji="0" lang="en-US" altLang="en-US" sz="1800" b="0" i="0" u="none" strike="noStrike" cap="none" normalizeH="0" baseline="0">
+              <a:rPr kumimoji="0" lang="en-US" altLang="en-US" sz="1800" b="0" i="0" u="none" strike="noStrike" cap="none" normalizeH="0" baseline="0" dirty="0">
                 <a:ln>
                   <a:noFill/>
                 </a:ln>
@@ -11899,7 +11998,7 @@
               <a:t>final </a:t>
             </a:r>
             <a:r>
-              <a:rPr kumimoji="0" lang="en-US" altLang="en-US" sz="1800" b="0" i="0" u="none" strike="noStrike" cap="none" normalizeH="0" baseline="0">
+              <a:rPr kumimoji="0" lang="en-US" altLang="en-US" sz="1800" b="0" i="0" u="none" strike="noStrike" cap="none" normalizeH="0" baseline="0" dirty="0">
                 <a:ln>
                   <a:noFill/>
                 </a:ln>
@@ -11909,10 +12008,36 @@
                 <a:effectLst/>
                 <a:latin typeface="JetBrains Mono"/>
               </a:rPr>
-              <a:t>String[] args)    {</a:t>
+              <a:t>String[] </a:t>
+            </a:r>
+            <a:r>
+              <a:rPr kumimoji="0" lang="en-US" altLang="en-US" sz="1800" b="0" i="0" u="none" strike="noStrike" cap="none" normalizeH="0" baseline="0" dirty="0" err="1">
+                <a:ln>
+                  <a:noFill/>
+                </a:ln>
+                <a:solidFill>
+                  <a:srgbClr val="A9B7C6"/>
+                </a:solidFill>
+                <a:effectLst/>
+                <a:latin typeface="JetBrains Mono"/>
+              </a:rPr>
+              <a:t>args</a:t>
+            </a:r>
+            <a:r>
+              <a:rPr kumimoji="0" lang="en-US" altLang="en-US" sz="1800" b="0" i="0" u="none" strike="noStrike" cap="none" normalizeH="0" baseline="0" dirty="0">
+                <a:ln>
+                  <a:noFill/>
+                </a:ln>
+                <a:solidFill>
+                  <a:srgbClr val="A9B7C6"/>
+                </a:solidFill>
+                <a:effectLst/>
+                <a:latin typeface="JetBrains Mono"/>
+              </a:rPr>
+              <a:t>)    {</a:t>
             </a:r>
             <a:br>
-              <a:rPr kumimoji="0" lang="en-US" altLang="en-US" sz="1800" b="0" i="0" u="none" strike="noStrike" cap="none" normalizeH="0" baseline="0">
+              <a:rPr kumimoji="0" lang="en-US" altLang="en-US" sz="1800" b="0" i="0" u="none" strike="noStrike" cap="none" normalizeH="0" baseline="0" dirty="0">
                 <a:ln>
                   <a:noFill/>
                 </a:ln>
@@ -11924,7 +12049,7 @@
               </a:rPr>
             </a:br>
             <a:r>
-              <a:rPr kumimoji="0" lang="en-US" altLang="en-US" sz="1800" b="0" i="0" u="none" strike="noStrike" cap="none" normalizeH="0" baseline="0">
+              <a:rPr kumimoji="0" lang="en-US" altLang="en-US" sz="1800" b="0" i="0" u="none" strike="noStrike" cap="none" normalizeH="0" baseline="0" dirty="0">
                 <a:ln>
                   <a:noFill/>
                 </a:ln>
@@ -11937,7 +12062,7 @@
               <a:t>        List books</a:t>
             </a:r>
             <a:r>
-              <a:rPr kumimoji="0" lang="en-US" altLang="en-US" sz="1800" b="0" i="0" u="none" strike="noStrike" cap="none" normalizeH="0" baseline="0">
+              <a:rPr kumimoji="0" lang="en-US" altLang="en-US" sz="1800" b="0" i="0" u="none" strike="noStrike" cap="none" normalizeH="0" baseline="0" dirty="0">
                 <a:ln>
                   <a:noFill/>
                 </a:ln>
@@ -11950,7 +12075,7 @@
               <a:t>;</a:t>
             </a:r>
             <a:br>
-              <a:rPr kumimoji="0" lang="en-US" altLang="en-US" sz="1800" b="0" i="0" u="none" strike="noStrike" cap="none" normalizeH="0" baseline="0">
+              <a:rPr kumimoji="0" lang="en-US" altLang="en-US" sz="1800" b="0" i="0" u="none" strike="noStrike" cap="none" normalizeH="0" baseline="0" dirty="0">
                 <a:ln>
                   <a:noFill/>
                 </a:ln>
@@ -11962,7 +12087,7 @@
               </a:rPr>
             </a:br>
             <a:r>
-              <a:rPr kumimoji="0" lang="en-US" altLang="en-US" sz="1800" b="0" i="0" u="none" strike="noStrike" cap="none" normalizeH="0" baseline="0">
+              <a:rPr kumimoji="0" lang="en-US" altLang="en-US" sz="1800" b="0" i="0" u="none" strike="noStrike" cap="none" normalizeH="0" baseline="0" dirty="0">
                 <a:ln>
                   <a:noFill/>
                 </a:ln>
@@ -11975,7 +12100,7 @@
               <a:t>        </a:t>
             </a:r>
             <a:r>
-              <a:rPr kumimoji="0" lang="en-US" altLang="en-US" sz="1800" b="0" i="0" u="none" strike="noStrike" cap="none" normalizeH="0" baseline="0">
+              <a:rPr kumimoji="0" lang="en-US" altLang="en-US" sz="1800" b="0" i="0" u="none" strike="noStrike" cap="none" normalizeH="0" baseline="0" dirty="0">
                 <a:ln>
                   <a:noFill/>
                 </a:ln>
@@ -11988,7 +12113,7 @@
               <a:t>books = </a:t>
             </a:r>
             <a:r>
-              <a:rPr kumimoji="0" lang="en-US" altLang="en-US" sz="1800" b="0" i="0" u="none" strike="noStrike" cap="none" normalizeH="0" baseline="0">
+              <a:rPr kumimoji="0" lang="en-US" altLang="en-US" sz="1800" b="0" i="0" u="none" strike="noStrike" cap="none" normalizeH="0" baseline="0" dirty="0">
                 <a:ln>
                   <a:noFill/>
                 </a:ln>
@@ -12001,7 +12126,7 @@
               <a:t>new </a:t>
             </a:r>
             <a:r>
-              <a:rPr kumimoji="0" lang="en-US" altLang="en-US" sz="1800" b="0" i="0" u="none" strike="noStrike" cap="none" normalizeH="0" baseline="0">
+              <a:rPr kumimoji="0" lang="en-US" altLang="en-US" sz="1800" b="0" i="0" u="none" strike="noStrike" cap="none" normalizeH="0" baseline="0" dirty="0" err="1">
                 <a:ln>
                   <a:noFill/>
                 </a:ln>
@@ -12011,10 +12136,23 @@
                 <a:effectLst/>
                 <a:latin typeface="JetBrains Mono"/>
               </a:rPr>
-              <a:t>ArrayList()</a:t>
-            </a:r>
-            <a:r>
-              <a:rPr kumimoji="0" lang="en-US" altLang="en-US" sz="1800" b="0" i="0" u="none" strike="noStrike" cap="none" normalizeH="0" baseline="0">
+              <a:t>ArrayList</a:t>
+            </a:r>
+            <a:r>
+              <a:rPr kumimoji="0" lang="en-US" altLang="en-US" sz="1800" b="0" i="0" u="none" strike="noStrike" cap="none" normalizeH="0" baseline="0" dirty="0">
+                <a:ln>
+                  <a:noFill/>
+                </a:ln>
+                <a:solidFill>
+                  <a:srgbClr val="A9B7C6"/>
+                </a:solidFill>
+                <a:effectLst/>
+                <a:latin typeface="JetBrains Mono"/>
+              </a:rPr>
+              <a:t>()</a:t>
+            </a:r>
+            <a:r>
+              <a:rPr kumimoji="0" lang="en-US" altLang="en-US" sz="1800" b="0" i="0" u="none" strike="noStrike" cap="none" normalizeH="0" baseline="0" dirty="0">
                 <a:ln>
                   <a:noFill/>
                 </a:ln>
@@ -12027,7 +12165,7 @@
               <a:t>;</a:t>
             </a:r>
             <a:br>
-              <a:rPr kumimoji="0" lang="en-US" altLang="en-US" sz="1800" b="0" i="0" u="none" strike="noStrike" cap="none" normalizeH="0" baseline="0">
+              <a:rPr kumimoji="0" lang="en-US" altLang="en-US" sz="1800" b="0" i="0" u="none" strike="noStrike" cap="none" normalizeH="0" baseline="0" dirty="0">
                 <a:ln>
                   <a:noFill/>
                 </a:ln>
@@ -12039,7 +12177,7 @@
               </a:rPr>
             </a:br>
             <a:r>
-              <a:rPr kumimoji="0" lang="en-US" altLang="en-US" sz="1800" b="0" i="0" u="none" strike="noStrike" cap="none" normalizeH="0" baseline="0">
+              <a:rPr kumimoji="0" lang="en-US" altLang="en-US" sz="1800" b="0" i="0" u="none" strike="noStrike" cap="none" normalizeH="0" baseline="0" dirty="0">
                 <a:ln>
                   <a:noFill/>
                 </a:ln>
@@ -12052,7 +12190,7 @@
               <a:t>        </a:t>
             </a:r>
             <a:r>
-              <a:rPr kumimoji="0" lang="en-US" altLang="en-US" sz="1800" b="0" i="0" u="none" strike="noStrike" cap="none" normalizeH="0" baseline="0">
+              <a:rPr kumimoji="0" lang="en-US" altLang="en-US" sz="1800" b="0" i="0" u="none" strike="noStrike" cap="none" normalizeH="0" baseline="0" dirty="0" err="1">
                 <a:ln>
                   <a:noFill/>
                 </a:ln>
@@ -12062,10 +12200,23 @@
                 <a:effectLst/>
                 <a:latin typeface="JetBrains Mono"/>
               </a:rPr>
-              <a:t>books.add(</a:t>
-            </a:r>
-            <a:r>
-              <a:rPr kumimoji="0" lang="en-US" altLang="en-US" sz="1800" b="0" i="0" u="none" strike="noStrike" cap="none" normalizeH="0" baseline="0">
+              <a:t>books.add</a:t>
+            </a:r>
+            <a:r>
+              <a:rPr kumimoji="0" lang="en-US" altLang="en-US" sz="1800" b="0" i="0" u="none" strike="noStrike" cap="none" normalizeH="0" baseline="0" dirty="0">
+                <a:ln>
+                  <a:noFill/>
+                </a:ln>
+                <a:solidFill>
+                  <a:srgbClr val="A9B7C6"/>
+                </a:solidFill>
+                <a:effectLst/>
+                <a:latin typeface="JetBrains Mono"/>
+              </a:rPr>
+              <a:t>(</a:t>
+            </a:r>
+            <a:r>
+              <a:rPr kumimoji="0" lang="en-US" altLang="en-US" sz="1800" b="0" i="0" u="none" strike="noStrike" cap="none" normalizeH="0" baseline="0" dirty="0">
                 <a:ln>
                   <a:noFill/>
                 </a:ln>
@@ -12078,7 +12229,7 @@
               <a:t>"power of now"</a:t>
             </a:r>
             <a:r>
-              <a:rPr kumimoji="0" lang="en-US" altLang="en-US" sz="1800" b="0" i="0" u="none" strike="noStrike" cap="none" normalizeH="0" baseline="0">
+              <a:rPr kumimoji="0" lang="en-US" altLang="en-US" sz="1800" b="0" i="0" u="none" strike="noStrike" cap="none" normalizeH="0" baseline="0" dirty="0">
                 <a:ln>
                   <a:noFill/>
                 </a:ln>
@@ -12091,7 +12242,7 @@
               <a:t>)</a:t>
             </a:r>
             <a:r>
-              <a:rPr kumimoji="0" lang="en-US" altLang="en-US" sz="1800" b="0" i="0" u="none" strike="noStrike" cap="none" normalizeH="0" baseline="0">
+              <a:rPr kumimoji="0" lang="en-US" altLang="en-US" sz="1800" b="0" i="0" u="none" strike="noStrike" cap="none" normalizeH="0" baseline="0" dirty="0">
                 <a:ln>
                   <a:noFill/>
                 </a:ln>
@@ -12104,7 +12255,7 @@
               <a:t>;</a:t>
             </a:r>
             <a:br>
-              <a:rPr kumimoji="0" lang="en-US" altLang="en-US" sz="1800" b="0" i="0" u="none" strike="noStrike" cap="none" normalizeH="0" baseline="0">
+              <a:rPr kumimoji="0" lang="en-US" altLang="en-US" sz="1800" b="0" i="0" u="none" strike="noStrike" cap="none" normalizeH="0" baseline="0" dirty="0">
                 <a:ln>
                   <a:noFill/>
                 </a:ln>
@@ -12116,7 +12267,7 @@
               </a:rPr>
             </a:br>
             <a:r>
-              <a:rPr kumimoji="0" lang="en-US" altLang="en-US" sz="1800" b="0" i="0" u="none" strike="noStrike" cap="none" normalizeH="0" baseline="0">
+              <a:rPr kumimoji="0" lang="en-US" altLang="en-US" sz="1800" b="0" i="0" u="none" strike="noStrike" cap="none" normalizeH="0" baseline="0" dirty="0">
                 <a:ln>
                   <a:noFill/>
                 </a:ln>
@@ -12129,7 +12280,7 @@
               <a:t>        </a:t>
             </a:r>
             <a:r>
-              <a:rPr kumimoji="0" lang="en-US" altLang="en-US" sz="1800" b="0" i="0" u="none" strike="noStrike" cap="none" normalizeH="0" baseline="0">
+              <a:rPr kumimoji="0" lang="en-US" altLang="en-US" sz="1800" b="0" i="0" u="none" strike="noStrike" cap="none" normalizeH="0" baseline="0" dirty="0" err="1">
                 <a:ln>
                   <a:noFill/>
                 </a:ln>
@@ -12139,10 +12290,23 @@
                 <a:effectLst/>
                 <a:latin typeface="JetBrains Mono"/>
               </a:rPr>
-              <a:t>books.add(</a:t>
-            </a:r>
-            <a:r>
-              <a:rPr kumimoji="0" lang="en-US" altLang="en-US" sz="1800" b="0" i="0" u="none" strike="noStrike" cap="none" normalizeH="0" baseline="0">
+              <a:t>books.add</a:t>
+            </a:r>
+            <a:r>
+              <a:rPr kumimoji="0" lang="en-US" altLang="en-US" sz="1800" b="0" i="0" u="none" strike="noStrike" cap="none" normalizeH="0" baseline="0" dirty="0">
+                <a:ln>
+                  <a:noFill/>
+                </a:ln>
+                <a:solidFill>
+                  <a:srgbClr val="A9B7C6"/>
+                </a:solidFill>
+                <a:effectLst/>
+                <a:latin typeface="JetBrains Mono"/>
+              </a:rPr>
+              <a:t>(</a:t>
+            </a:r>
+            <a:r>
+              <a:rPr kumimoji="0" lang="en-US" altLang="en-US" sz="1800" b="0" i="0" u="none" strike="noStrike" cap="none" normalizeH="0" baseline="0" dirty="0">
                 <a:ln>
                   <a:noFill/>
                 </a:ln>
@@ -12155,7 +12319,7 @@
               <a:t>"can't hurt me"</a:t>
             </a:r>
             <a:r>
-              <a:rPr kumimoji="0" lang="en-US" altLang="en-US" sz="1800" b="0" i="0" u="none" strike="noStrike" cap="none" normalizeH="0" baseline="0">
+              <a:rPr kumimoji="0" lang="en-US" altLang="en-US" sz="1800" b="0" i="0" u="none" strike="noStrike" cap="none" normalizeH="0" baseline="0" dirty="0">
                 <a:ln>
                   <a:noFill/>
                 </a:ln>
@@ -12168,7 +12332,7 @@
               <a:t>)</a:t>
             </a:r>
             <a:r>
-              <a:rPr kumimoji="0" lang="en-US" altLang="en-US" sz="1800" b="0" i="0" u="none" strike="noStrike" cap="none" normalizeH="0" baseline="0">
+              <a:rPr kumimoji="0" lang="en-US" altLang="en-US" sz="1800" b="0" i="0" u="none" strike="noStrike" cap="none" normalizeH="0" baseline="0" dirty="0">
                 <a:ln>
                   <a:noFill/>
                 </a:ln>
@@ -12181,7 +12345,7 @@
               <a:t>;</a:t>
             </a:r>
             <a:br>
-              <a:rPr kumimoji="0" lang="en-US" altLang="en-US" sz="1800" b="0" i="0" u="none" strike="noStrike" cap="none" normalizeH="0" baseline="0">
+              <a:rPr kumimoji="0" lang="en-US" altLang="en-US" sz="1800" b="0" i="0" u="none" strike="noStrike" cap="none" normalizeH="0" baseline="0" dirty="0">
                 <a:ln>
                   <a:noFill/>
                 </a:ln>
@@ -12193,7 +12357,7 @@
               </a:rPr>
             </a:br>
             <a:r>
-              <a:rPr kumimoji="0" lang="en-US" altLang="en-US" sz="1800" b="0" i="0" u="none" strike="noStrike" cap="none" normalizeH="0" baseline="0">
+              <a:rPr kumimoji="0" lang="en-US" altLang="en-US" sz="1800" b="0" i="0" u="none" strike="noStrike" cap="none" normalizeH="0" baseline="0" dirty="0">
                 <a:ln>
                   <a:noFill/>
                 </a:ln>
@@ -12206,7 +12370,7 @@
               <a:t>        </a:t>
             </a:r>
             <a:r>
-              <a:rPr kumimoji="0" lang="en-US" altLang="en-US" sz="1800" b="0" i="0" u="none" strike="noStrike" cap="none" normalizeH="0" baseline="0">
+              <a:rPr kumimoji="0" lang="en-US" altLang="en-US" sz="1800" b="0" i="0" u="none" strike="noStrike" cap="none" normalizeH="0" baseline="0" dirty="0" err="1">
                 <a:ln>
                   <a:noFill/>
                 </a:ln>
@@ -12216,10 +12380,23 @@
                 <a:effectLst/>
                 <a:latin typeface="JetBrains Mono"/>
               </a:rPr>
-              <a:t>books.add(</a:t>
-            </a:r>
-            <a:r>
-              <a:rPr kumimoji="0" lang="en-US" altLang="en-US" sz="1800" b="0" i="0" u="none" strike="noStrike" cap="none" normalizeH="0" baseline="0">
+              <a:t>books.add</a:t>
+            </a:r>
+            <a:r>
+              <a:rPr kumimoji="0" lang="en-US" altLang="en-US" sz="1800" b="0" i="0" u="none" strike="noStrike" cap="none" normalizeH="0" baseline="0" dirty="0">
+                <a:ln>
+                  <a:noFill/>
+                </a:ln>
+                <a:solidFill>
+                  <a:srgbClr val="A9B7C6"/>
+                </a:solidFill>
+                <a:effectLst/>
+                <a:latin typeface="JetBrains Mono"/>
+              </a:rPr>
+              <a:t>(</a:t>
+            </a:r>
+            <a:r>
+              <a:rPr kumimoji="0" lang="en-US" altLang="en-US" sz="1800" b="0" i="0" u="none" strike="noStrike" cap="none" normalizeH="0" baseline="0" dirty="0">
                 <a:ln>
                   <a:noFill/>
                 </a:ln>
@@ -12232,7 +12409,7 @@
               <a:t>"discipline equals freedom"</a:t>
             </a:r>
             <a:r>
-              <a:rPr kumimoji="0" lang="en-US" altLang="en-US" sz="1800" b="0" i="0" u="none" strike="noStrike" cap="none" normalizeH="0" baseline="0">
+              <a:rPr kumimoji="0" lang="en-US" altLang="en-US" sz="1800" b="0" i="0" u="none" strike="noStrike" cap="none" normalizeH="0" baseline="0" dirty="0">
                 <a:ln>
                   <a:noFill/>
                 </a:ln>
@@ -12245,7 +12422,7 @@
               <a:t>)</a:t>
             </a:r>
             <a:r>
-              <a:rPr kumimoji="0" lang="en-US" altLang="en-US" sz="1800" b="0" i="0" u="none" strike="noStrike" cap="none" normalizeH="0" baseline="0">
+              <a:rPr kumimoji="0" lang="en-US" altLang="en-US" sz="1800" b="0" i="0" u="none" strike="noStrike" cap="none" normalizeH="0" baseline="0" dirty="0">
                 <a:ln>
                   <a:noFill/>
                 </a:ln>
@@ -12258,7 +12435,7 @@
               <a:t>;</a:t>
             </a:r>
             <a:br>
-              <a:rPr kumimoji="0" lang="en-US" altLang="en-US" sz="1800" b="0" i="0" u="none" strike="noStrike" cap="none" normalizeH="0" baseline="0">
+              <a:rPr kumimoji="0" lang="en-US" altLang="en-US" sz="1800" b="0" i="0" u="none" strike="noStrike" cap="none" normalizeH="0" baseline="0" dirty="0">
                 <a:ln>
                   <a:noFill/>
                 </a:ln>
@@ -12270,7 +12447,7 @@
               </a:rPr>
             </a:br>
             <a:r>
-              <a:rPr kumimoji="0" lang="en-US" altLang="en-US" sz="1800" b="0" i="0" u="none" strike="noStrike" cap="none" normalizeH="0" baseline="0">
+              <a:rPr kumimoji="0" lang="en-US" altLang="en-US" sz="1800" b="0" i="0" u="none" strike="noStrike" cap="none" normalizeH="0" baseline="0" dirty="0">
                 <a:ln>
                   <a:noFill/>
                 </a:ln>
@@ -12283,7 +12460,7 @@
               <a:t>        </a:t>
             </a:r>
             <a:r>
-              <a:rPr kumimoji="0" lang="en-US" altLang="en-US" sz="1800" b="0" i="0" u="none" strike="noStrike" cap="none" normalizeH="0" baseline="0">
+              <a:rPr kumimoji="0" lang="en-US" altLang="en-US" sz="1800" b="0" i="0" u="none" strike="noStrike" cap="none" normalizeH="0" baseline="0" dirty="0" err="1">
                 <a:ln>
                   <a:noFill/>
                 </a:ln>
@@ -12293,10 +12470,23 @@
                 <a:effectLst/>
                 <a:latin typeface="JetBrains Mono"/>
               </a:rPr>
-              <a:t>books.add(</a:t>
-            </a:r>
-            <a:r>
-              <a:rPr kumimoji="0" lang="en-US" altLang="en-US" sz="1800" b="0" i="0" u="none" strike="noStrike" cap="none" normalizeH="0" baseline="0">
+              <a:t>books.add</a:t>
+            </a:r>
+            <a:r>
+              <a:rPr kumimoji="0" lang="en-US" altLang="en-US" sz="1800" b="0" i="0" u="none" strike="noStrike" cap="none" normalizeH="0" baseline="0" dirty="0">
+                <a:ln>
+                  <a:noFill/>
+                </a:ln>
+                <a:solidFill>
+                  <a:srgbClr val="A9B7C6"/>
+                </a:solidFill>
+                <a:effectLst/>
+                <a:latin typeface="JetBrains Mono"/>
+              </a:rPr>
+              <a:t>(</a:t>
+            </a:r>
+            <a:r>
+              <a:rPr kumimoji="0" lang="en-US" altLang="en-US" sz="1800" b="0" i="0" u="none" strike="noStrike" cap="none" normalizeH="0" baseline="0" dirty="0">
                 <a:ln>
                   <a:noFill/>
                 </a:ln>
@@ -12309,7 +12499,7 @@
               <a:t>"meditations"</a:t>
             </a:r>
             <a:r>
-              <a:rPr kumimoji="0" lang="en-US" altLang="en-US" sz="1800" b="0" i="0" u="none" strike="noStrike" cap="none" normalizeH="0" baseline="0">
+              <a:rPr kumimoji="0" lang="en-US" altLang="en-US" sz="1800" b="0" i="0" u="none" strike="noStrike" cap="none" normalizeH="0" baseline="0" dirty="0">
                 <a:ln>
                   <a:noFill/>
                 </a:ln>
@@ -12322,7 +12512,7 @@
               <a:t>)</a:t>
             </a:r>
             <a:r>
-              <a:rPr kumimoji="0" lang="en-US" altLang="en-US" sz="1800" b="0" i="0" u="none" strike="noStrike" cap="none" normalizeH="0" baseline="0">
+              <a:rPr kumimoji="0" lang="en-US" altLang="en-US" sz="1800" b="0" i="0" u="none" strike="noStrike" cap="none" normalizeH="0" baseline="0" dirty="0">
                 <a:ln>
                   <a:noFill/>
                 </a:ln>
@@ -12335,7 +12525,7 @@
               <a:t>;</a:t>
             </a:r>
             <a:br>
-              <a:rPr kumimoji="0" lang="en-US" altLang="en-US" sz="1800" b="0" i="0" u="none" strike="noStrike" cap="none" normalizeH="0" baseline="0">
+              <a:rPr kumimoji="0" lang="en-US" altLang="en-US" sz="1800" b="0" i="0" u="none" strike="noStrike" cap="none" normalizeH="0" baseline="0" dirty="0">
                 <a:ln>
                   <a:noFill/>
                 </a:ln>
@@ -12347,7 +12537,7 @@
               </a:rPr>
             </a:br>
             <a:r>
-              <a:rPr kumimoji="0" lang="en-US" altLang="en-US" sz="1800" b="0" i="0" u="none" strike="noStrike" cap="none" normalizeH="0" baseline="0">
+              <a:rPr kumimoji="0" lang="en-US" altLang="en-US" sz="1800" b="0" i="0" u="none" strike="noStrike" cap="none" normalizeH="0" baseline="0" dirty="0">
                 <a:ln>
                   <a:noFill/>
                 </a:ln>
@@ -12360,7 +12550,7 @@
               <a:t>       </a:t>
             </a:r>
             <a:r>
-              <a:rPr kumimoji="0" lang="en-US" altLang="en-US" sz="1800" b="0" i="0" u="none" strike="noStrike" cap="none" normalizeH="0" baseline="0">
+              <a:rPr kumimoji="0" lang="en-US" altLang="en-US" sz="1800" b="0" i="0" u="none" strike="noStrike" cap="none" normalizeH="0" baseline="0" dirty="0" err="1">
                 <a:ln>
                   <a:noFill/>
                 </a:ln>
@@ -12370,10 +12560,75 @@
                 <a:effectLst/>
                 <a:latin typeface="JetBrains Mono"/>
               </a:rPr>
-              <a:t>// books.forEach(b-&gt; System.out.println(((String)b).toUpperCase()));</a:t>
+              <a:t>books.forEach</a:t>
+            </a:r>
+            <a:r>
+              <a:rPr kumimoji="0" lang="en-US" altLang="en-US" sz="1800" b="0" i="0" u="none" strike="noStrike" cap="none" normalizeH="0" baseline="0" dirty="0">
+                <a:ln>
+                  <a:noFill/>
+                </a:ln>
+                <a:solidFill>
+                  <a:srgbClr val="808080"/>
+                </a:solidFill>
+                <a:effectLst/>
+                <a:latin typeface="JetBrains Mono"/>
+              </a:rPr>
+              <a:t>(b-&gt; </a:t>
+            </a:r>
+            <a:r>
+              <a:rPr kumimoji="0" lang="en-US" altLang="en-US" sz="1800" b="0" i="0" u="none" strike="noStrike" cap="none" normalizeH="0" baseline="0" dirty="0" err="1">
+                <a:ln>
+                  <a:noFill/>
+                </a:ln>
+                <a:solidFill>
+                  <a:srgbClr val="808080"/>
+                </a:solidFill>
+                <a:effectLst/>
+                <a:latin typeface="JetBrains Mono"/>
+              </a:rPr>
+              <a:t>System.out.println</a:t>
+            </a:r>
+            <a:r>
+              <a:rPr kumimoji="0" lang="en-US" altLang="en-US" sz="1800" b="0" i="0" u="none" strike="noStrike" cap="none" normalizeH="0" baseline="0" dirty="0">
+                <a:ln>
+                  <a:noFill/>
+                </a:ln>
+                <a:solidFill>
+                  <a:srgbClr val="808080"/>
+                </a:solidFill>
+                <a:effectLst/>
+                <a:latin typeface="JetBrains Mono"/>
+              </a:rPr>
+              <a:t>(((String)b).</a:t>
+            </a:r>
+            <a:r>
+              <a:rPr kumimoji="0" lang="en-US" altLang="en-US" sz="1800" b="0" i="0" u="none" strike="noStrike" cap="none" normalizeH="0" baseline="0" dirty="0" err="1">
+                <a:ln>
+                  <a:noFill/>
+                </a:ln>
+                <a:solidFill>
+                  <a:srgbClr val="808080"/>
+                </a:solidFill>
+                <a:effectLst/>
+                <a:latin typeface="JetBrains Mono"/>
+              </a:rPr>
+              <a:t>toUpperCase</a:t>
+            </a:r>
+            <a:r>
+              <a:rPr kumimoji="0" lang="en-US" altLang="en-US" sz="1800" b="0" i="0" u="none" strike="noStrike" cap="none" normalizeH="0" baseline="0" dirty="0">
+                <a:ln>
+                  <a:noFill/>
+                </a:ln>
+                <a:solidFill>
+                  <a:srgbClr val="808080"/>
+                </a:solidFill>
+                <a:effectLst/>
+                <a:latin typeface="JetBrains Mono"/>
+              </a:rPr>
+              <a:t>()));</a:t>
             </a:r>
             <a:br>
-              <a:rPr kumimoji="0" lang="en-US" altLang="en-US" sz="1800" b="0" i="0" u="none" strike="noStrike" cap="none" normalizeH="0" baseline="0">
+              <a:rPr kumimoji="0" lang="en-US" altLang="en-US" sz="1800" b="0" i="0" u="none" strike="noStrike" cap="none" normalizeH="0" baseline="0" dirty="0">
                 <a:ln>
                   <a:noFill/>
                 </a:ln>
@@ -12385,7 +12640,7 @@
               </a:rPr>
             </a:br>
             <a:br>
-              <a:rPr kumimoji="0" lang="en-US" altLang="en-US" sz="1800" b="0" i="0" u="none" strike="noStrike" cap="none" normalizeH="0" baseline="0">
+              <a:rPr kumimoji="0" lang="en-US" altLang="en-US" sz="1800" b="0" i="0" u="none" strike="noStrike" cap="none" normalizeH="0" baseline="0" dirty="0">
                 <a:ln>
                   <a:noFill/>
                 </a:ln>
@@ -12397,7 +12652,7 @@
               </a:rPr>
             </a:br>
             <a:br>
-              <a:rPr kumimoji="0" lang="en-US" altLang="en-US" sz="1800" b="0" i="0" u="none" strike="noStrike" cap="none" normalizeH="0" baseline="0">
+              <a:rPr kumimoji="0" lang="en-US" altLang="en-US" sz="1800" b="0" i="0" u="none" strike="noStrike" cap="none" normalizeH="0" baseline="0" dirty="0">
                 <a:ln>
                   <a:noFill/>
                 </a:ln>
@@ -12409,7 +12664,7 @@
               </a:rPr>
             </a:br>
             <a:r>
-              <a:rPr kumimoji="0" lang="en-US" altLang="en-US" sz="1800" b="0" i="0" u="none" strike="noStrike" cap="none" normalizeH="0" baseline="0">
+              <a:rPr kumimoji="0" lang="en-US" altLang="en-US" sz="1800" b="0" i="0" u="none" strike="noStrike" cap="none" normalizeH="0" baseline="0" dirty="0">
                 <a:ln>
                   <a:noFill/>
                 </a:ln>
@@ -12422,7 +12677,7 @@
               <a:t>        </a:t>
             </a:r>
             <a:r>
-              <a:rPr kumimoji="0" lang="en-US" altLang="en-US" sz="1800" b="0" i="0" u="none" strike="noStrike" cap="none" normalizeH="0" baseline="0">
+              <a:rPr kumimoji="0" lang="en-US" altLang="en-US" sz="1800" b="0" i="0" u="none" strike="noStrike" cap="none" normalizeH="0" baseline="0" dirty="0" err="1">
                 <a:ln>
                   <a:noFill/>
                 </a:ln>
@@ -12432,10 +12687,36 @@
                 <a:effectLst/>
                 <a:latin typeface="JetBrains Mono"/>
               </a:rPr>
-              <a:t>books.forEach(System.</a:t>
-            </a:r>
-            <a:r>
-              <a:rPr kumimoji="0" lang="en-US" altLang="en-US" sz="1800" b="0" i="1" u="none" strike="noStrike" cap="none" normalizeH="0" baseline="0">
+              <a:t>books.forEach</a:t>
+            </a:r>
+            <a:r>
+              <a:rPr kumimoji="0" lang="en-US" altLang="en-US" sz="1800" b="0" i="0" u="none" strike="noStrike" cap="none" normalizeH="0" baseline="0" dirty="0">
+                <a:ln>
+                  <a:noFill/>
+                </a:ln>
+                <a:solidFill>
+                  <a:srgbClr val="A9B7C6"/>
+                </a:solidFill>
+                <a:effectLst/>
+                <a:latin typeface="JetBrains Mono"/>
+              </a:rPr>
+              <a:t>(</a:t>
+            </a:r>
+            <a:r>
+              <a:rPr kumimoji="0" lang="en-US" altLang="en-US" sz="1800" b="0" i="0" u="none" strike="noStrike" cap="none" normalizeH="0" baseline="0" dirty="0" err="1">
+                <a:ln>
+                  <a:noFill/>
+                </a:ln>
+                <a:solidFill>
+                  <a:srgbClr val="A9B7C6"/>
+                </a:solidFill>
+                <a:effectLst/>
+                <a:latin typeface="JetBrains Mono"/>
+              </a:rPr>
+              <a:t>System.</a:t>
+            </a:r>
+            <a:r>
+              <a:rPr kumimoji="0" lang="en-US" altLang="en-US" sz="1800" b="0" i="1" u="none" strike="noStrike" cap="none" normalizeH="0" baseline="0" dirty="0" err="1">
                 <a:ln>
                   <a:noFill/>
                 </a:ln>
@@ -12448,7 +12729,7 @@
               <a:t>out</a:t>
             </a:r>
             <a:r>
-              <a:rPr kumimoji="0" lang="en-US" altLang="en-US" sz="1800" b="0" i="0" u="none" strike="noStrike" cap="none" normalizeH="0" baseline="0">
+              <a:rPr kumimoji="0" lang="en-US" altLang="en-US" sz="1800" b="0" i="0" u="none" strike="noStrike" cap="none" normalizeH="0" baseline="0" dirty="0">
                 <a:ln>
                   <a:noFill/>
                 </a:ln>
@@ -12458,10 +12739,36 @@
                 <a:effectLst/>
                 <a:latin typeface="JetBrains Mono"/>
               </a:rPr>
-              <a:t>::println)</a:t>
-            </a:r>
-            <a:r>
-              <a:rPr kumimoji="0" lang="en-US" altLang="en-US" sz="1800" b="0" i="0" u="none" strike="noStrike" cap="none" normalizeH="0" baseline="0">
+              <a:t>::</a:t>
+            </a:r>
+            <a:r>
+              <a:rPr kumimoji="0" lang="en-US" altLang="en-US" sz="1800" b="0" i="0" u="none" strike="noStrike" cap="none" normalizeH="0" baseline="0" dirty="0" err="1">
+                <a:ln>
+                  <a:noFill/>
+                </a:ln>
+                <a:solidFill>
+                  <a:srgbClr val="A9B7C6"/>
+                </a:solidFill>
+                <a:effectLst/>
+                <a:latin typeface="JetBrains Mono"/>
+              </a:rPr>
+              <a:t>println</a:t>
+            </a:r>
+            <a:r>
+              <a:rPr kumimoji="0" lang="en-US" altLang="en-US" sz="1800" b="0" i="0" u="none" strike="noStrike" cap="none" normalizeH="0" baseline="0" dirty="0">
+                <a:ln>
+                  <a:noFill/>
+                </a:ln>
+                <a:solidFill>
+                  <a:srgbClr val="A9B7C6"/>
+                </a:solidFill>
+                <a:effectLst/>
+                <a:latin typeface="JetBrains Mono"/>
+              </a:rPr>
+              <a:t>)</a:t>
+            </a:r>
+            <a:r>
+              <a:rPr kumimoji="0" lang="en-US" altLang="en-US" sz="1800" b="0" i="0" u="none" strike="noStrike" cap="none" normalizeH="0" baseline="0" dirty="0">
                 <a:ln>
                   <a:noFill/>
                 </a:ln>
@@ -12474,7 +12781,7 @@
               <a:t>;</a:t>
             </a:r>
             <a:br>
-              <a:rPr kumimoji="0" lang="en-US" altLang="en-US" sz="1800" b="0" i="0" u="none" strike="noStrike" cap="none" normalizeH="0" baseline="0">
+              <a:rPr kumimoji="0" lang="en-US" altLang="en-US" sz="1800" b="0" i="0" u="none" strike="noStrike" cap="none" normalizeH="0" baseline="0" dirty="0">
                 <a:ln>
                   <a:noFill/>
                 </a:ln>
@@ -12486,7 +12793,7 @@
               </a:rPr>
             </a:br>
             <a:r>
-              <a:rPr kumimoji="0" lang="en-US" altLang="en-US" sz="1800" b="0" i="0" u="none" strike="noStrike" cap="none" normalizeH="0" baseline="0">
+              <a:rPr kumimoji="0" lang="en-US" altLang="en-US" sz="1800" b="0" i="0" u="none" strike="noStrike" cap="none" normalizeH="0" baseline="0" dirty="0">
                 <a:ln>
                   <a:noFill/>
                 </a:ln>
@@ -12499,7 +12806,7 @@
               <a:t>    </a:t>
             </a:r>
             <a:r>
-              <a:rPr kumimoji="0" lang="en-US" altLang="en-US" sz="1800" b="0" i="0" u="none" strike="noStrike" cap="none" normalizeH="0" baseline="0">
+              <a:rPr kumimoji="0" lang="en-US" altLang="en-US" sz="1800" b="0" i="0" u="none" strike="noStrike" cap="none" normalizeH="0" baseline="0" dirty="0">
                 <a:ln>
                   <a:noFill/>
                 </a:ln>
@@ -12512,7 +12819,7 @@
               <a:t>}</a:t>
             </a:r>
             <a:br>
-              <a:rPr kumimoji="0" lang="en-US" altLang="en-US" sz="1800" b="0" i="0" u="none" strike="noStrike" cap="none" normalizeH="0" baseline="0">
+              <a:rPr kumimoji="0" lang="en-US" altLang="en-US" sz="1800" b="0" i="0" u="none" strike="noStrike" cap="none" normalizeH="0" baseline="0" dirty="0">
                 <a:ln>
                   <a:noFill/>
                 </a:ln>
@@ -12524,7 +12831,7 @@
               </a:rPr>
             </a:br>
             <a:r>
-              <a:rPr kumimoji="0" lang="en-US" altLang="en-US" sz="1800" b="0" i="0" u="none" strike="noStrike" cap="none" normalizeH="0" baseline="0">
+              <a:rPr kumimoji="0" lang="en-US" altLang="en-US" sz="1800" b="0" i="0" u="none" strike="noStrike" cap="none" normalizeH="0" baseline="0" dirty="0">
                 <a:ln>
                   <a:noFill/>
                 </a:ln>
@@ -12537,7 +12844,7 @@
               <a:t>}</a:t>
             </a:r>
             <a:br>
-              <a:rPr kumimoji="0" lang="en-US" altLang="en-US" sz="1800" b="0" i="0" u="none" strike="noStrike" cap="none" normalizeH="0" baseline="0">
+              <a:rPr kumimoji="0" lang="en-US" altLang="en-US" sz="1800" b="0" i="0" u="none" strike="noStrike" cap="none" normalizeH="0" baseline="0" dirty="0">
                 <a:ln>
                   <a:noFill/>
                 </a:ln>
@@ -12548,7 +12855,7 @@
                 <a:latin typeface="JetBrains Mono"/>
               </a:rPr>
             </a:br>
-            <a:endParaRPr kumimoji="0" lang="en-US" altLang="en-US" sz="1800" b="0" i="0" u="none" strike="noStrike" cap="none" normalizeH="0" baseline="0">
+            <a:endParaRPr kumimoji="0" lang="en-US" altLang="en-US" sz="1800" b="0" i="0" u="none" strike="noStrike" cap="none" normalizeH="0" baseline="0" dirty="0">
               <a:ln>
                 <a:noFill/>
               </a:ln>
